--- a/Group_20_presentation.pptx
+++ b/Group_20_presentation.pptx
@@ -21,21 +21,22 @@
     <p:sldId id="266" r:id="rId16"/>
     <p:sldId id="267" r:id="rId17"/>
     <p:sldId id="268" r:id="rId18"/>
+    <p:sldId id="269" r:id="rId19"/>
   </p:sldIdLst>
   <p:sldSz cy="5143500" cx="9144000"/>
   <p:notesSz cx="6858000" cy="9144000"/>
   <p:embeddedFontLst>
     <p:embeddedFont>
       <p:font typeface="Roboto Slab"/>
-      <p:regular r:id="rId19"/>
-      <p:bold r:id="rId20"/>
+      <p:regular r:id="rId20"/>
+      <p:bold r:id="rId21"/>
     </p:embeddedFont>
     <p:embeddedFont>
       <p:font typeface="Roboto"/>
-      <p:regular r:id="rId21"/>
-      <p:bold r:id="rId22"/>
-      <p:italic r:id="rId23"/>
-      <p:boldItalic r:id="rId24"/>
+      <p:regular r:id="rId22"/>
+      <p:bold r:id="rId23"/>
+      <p:italic r:id="rId24"/>
+      <p:boldItalic r:id="rId25"/>
     </p:embeddedFont>
   </p:embeddedFontLst>
   <p:defaultTextStyle>
@@ -816,7 +817,7 @@
   <p:cSld>
     <p:spTree>
       <p:nvGrpSpPr>
-        <p:cNvPr id="124" name="Shape 124"/>
+        <p:cNvPr id="123" name="Shape 123"/>
         <p:cNvGrpSpPr/>
         <p:nvPr/>
       </p:nvGrpSpPr>
@@ -830,7 +831,7 @@
       </p:grpSpPr>
       <p:sp>
         <p:nvSpPr>
-          <p:cNvPr id="125" name="Google Shape;125;g2a199acf7e8_0_235:notes"/>
+          <p:cNvPr id="124" name="Google Shape;124;g2a199acf7e8_0_219:notes"/>
           <p:cNvSpPr/>
           <p:nvPr>
             <p:ph idx="2" type="sldImg"/>
@@ -865,7 +866,7 @@
       </p:sp>
       <p:sp>
         <p:nvSpPr>
-          <p:cNvPr id="126" name="Google Shape;126;g2a199acf7e8_0_235:notes"/>
+          <p:cNvPr id="125" name="Google Shape;125;g2a199acf7e8_0_219:notes"/>
           <p:cNvSpPr txBox="1"/>
           <p:nvPr>
             <p:ph idx="1" type="body"/>
@@ -929,7 +930,7 @@
       </p:grpSpPr>
       <p:sp>
         <p:nvSpPr>
-          <p:cNvPr id="131" name="Google Shape;131;g2a199acf7e8_0_240:notes"/>
+          <p:cNvPr id="131" name="Google Shape;131;g2a199acf7e8_0_235:notes"/>
           <p:cNvSpPr/>
           <p:nvPr>
             <p:ph idx="2" type="sldImg"/>
@@ -964,7 +965,7 @@
       </p:sp>
       <p:sp>
         <p:nvSpPr>
-          <p:cNvPr id="132" name="Google Shape;132;g2a199acf7e8_0_240:notes"/>
+          <p:cNvPr id="132" name="Google Shape;132;g2a199acf7e8_0_235:notes"/>
           <p:cNvSpPr txBox="1"/>
           <p:nvPr>
             <p:ph idx="1" type="body"/>
@@ -1014,7 +1015,7 @@
   <p:cSld>
     <p:spTree>
       <p:nvGrpSpPr>
-        <p:cNvPr id="138" name="Shape 138"/>
+        <p:cNvPr id="136" name="Shape 136"/>
         <p:cNvGrpSpPr/>
         <p:nvPr/>
       </p:nvGrpSpPr>
@@ -1028,7 +1029,7 @@
       </p:grpSpPr>
       <p:sp>
         <p:nvSpPr>
-          <p:cNvPr id="139" name="Google Shape;139;g2a199acf7e8_0_245:notes"/>
+          <p:cNvPr id="137" name="Google Shape;137;g2a199acf7e8_0_240:notes"/>
           <p:cNvSpPr/>
           <p:nvPr>
             <p:ph idx="2" type="sldImg"/>
@@ -1063,7 +1064,7 @@
       </p:sp>
       <p:sp>
         <p:nvSpPr>
-          <p:cNvPr id="140" name="Google Shape;140;g2a199acf7e8_0_245:notes"/>
+          <p:cNvPr id="138" name="Google Shape;138;g2a199acf7e8_0_240:notes"/>
           <p:cNvSpPr txBox="1"/>
           <p:nvPr>
             <p:ph idx="1" type="body"/>
@@ -1113,7 +1114,7 @@
   <p:cSld>
     <p:spTree>
       <p:nvGrpSpPr>
-        <p:cNvPr id="145" name="Shape 145"/>
+        <p:cNvPr id="144" name="Shape 144"/>
         <p:cNvGrpSpPr/>
         <p:nvPr/>
       </p:nvGrpSpPr>
@@ -1127,7 +1128,7 @@
       </p:grpSpPr>
       <p:sp>
         <p:nvSpPr>
-          <p:cNvPr id="146" name="Google Shape;146;g2a199acf7e8_0_250:notes"/>
+          <p:cNvPr id="145" name="Google Shape;145;g2a199acf7e8_0_245:notes"/>
           <p:cNvSpPr/>
           <p:nvPr>
             <p:ph idx="2" type="sldImg"/>
@@ -1162,7 +1163,106 @@
       </p:sp>
       <p:sp>
         <p:nvSpPr>
-          <p:cNvPr id="147" name="Google Shape;147;g2a199acf7e8_0_250:notes"/>
+          <p:cNvPr id="146" name="Google Shape;146;g2a199acf7e8_0_245:notes"/>
+          <p:cNvSpPr txBox="1"/>
+          <p:nvPr>
+            <p:ph idx="1" type="body"/>
+          </p:nvPr>
+        </p:nvSpPr>
+        <p:spPr>
+          <a:xfrm>
+            <a:off x="685800" y="4343400"/>
+            <a:ext cx="5486400" cy="4114800"/>
+          </a:xfrm>
+          <a:prstGeom prst="rect">
+            <a:avLst/>
+          </a:prstGeom>
+        </p:spPr>
+        <p:txBody>
+          <a:bodyPr anchorCtr="0" anchor="t" bIns="91425" lIns="91425" spcFirstLastPara="1" rIns="91425" wrap="square" tIns="91425">
+            <a:noAutofit/>
+          </a:bodyPr>
+          <a:lstStyle/>
+          <a:p>
+            <a:pPr indent="0" lvl="0" marL="0" rtl="0" algn="l">
+              <a:spcBef>
+                <a:spcPts val="0"/>
+              </a:spcBef>
+              <a:spcAft>
+                <a:spcPts val="0"/>
+              </a:spcAft>
+              <a:buNone/>
+            </a:pPr>
+            <a:r>
+              <a:t/>
+            </a:r>
+            <a:endParaRPr/>
+          </a:p>
+        </p:txBody>
+      </p:sp>
+    </p:spTree>
+  </p:cSld>
+  <p:clrMapOvr>
+    <a:masterClrMapping/>
+  </p:clrMapOvr>
+</p:notes>
+</file>
+
+<file path=ppt/notesSlides/notesSlide14.xml><?xml version="1.0" encoding="utf-8"?>
+<p:notes xmlns:a="http://schemas.openxmlformats.org/drawingml/2006/main" xmlns:r="http://schemas.openxmlformats.org/officeDocument/2006/relationships" xmlns:mc="http://schemas.openxmlformats.org/markup-compatibility/2006" xmlns:mv="urn:schemas-microsoft-com:mac:vml" xmlns:p="http://schemas.openxmlformats.org/presentationml/2006/main" xmlns:c="http://schemas.openxmlformats.org/drawingml/2006/chart" xmlns:dgm="http://schemas.openxmlformats.org/drawingml/2006/diagram" xmlns:o="urn:schemas-microsoft-com:office:office" xmlns:v="urn:schemas-microsoft-com:vml" xmlns:pvml="urn:schemas-microsoft-com:office:powerpoint" xmlns:com="http://schemas.openxmlformats.org/drawingml/2006/compatibility" xmlns:p14="http://schemas.microsoft.com/office/powerpoint/2010/main" xmlns:p15="http://schemas.microsoft.com/office/powerpoint/2012/main" xmlns:ahyp="http://schemas.microsoft.com/office/drawing/2018/hyperlinkcolor" showMasterPhAnim="0" showMasterSp="0">
+  <p:cSld>
+    <p:spTree>
+      <p:nvGrpSpPr>
+        <p:cNvPr id="151" name="Shape 151"/>
+        <p:cNvGrpSpPr/>
+        <p:nvPr/>
+      </p:nvGrpSpPr>
+      <p:grpSpPr>
+        <a:xfrm>
+          <a:off x="0" y="0"/>
+          <a:ext cx="0" cy="0"/>
+          <a:chOff x="0" y="0"/>
+          <a:chExt cx="0" cy="0"/>
+        </a:xfrm>
+      </p:grpSpPr>
+      <p:sp>
+        <p:nvSpPr>
+          <p:cNvPr id="152" name="Google Shape;152;g2a199acf7e8_0_250:notes"/>
+          <p:cNvSpPr/>
+          <p:nvPr>
+            <p:ph idx="2" type="sldImg"/>
+          </p:nvPr>
+        </p:nvSpPr>
+        <p:spPr>
+          <a:xfrm>
+            <a:off x="381300" y="685800"/>
+            <a:ext cx="6096000" cy="3429000"/>
+          </a:xfrm>
+          <a:custGeom>
+            <a:rect b="b" l="l" r="r" t="t"/>
+            <a:pathLst>
+              <a:path extrusionOk="0" h="120000" w="120000">
+                <a:moveTo>
+                  <a:pt x="0" y="0"/>
+                </a:moveTo>
+                <a:lnTo>
+                  <a:pt x="120000" y="0"/>
+                </a:lnTo>
+                <a:lnTo>
+                  <a:pt x="120000" y="120000"/>
+                </a:lnTo>
+                <a:lnTo>
+                  <a:pt x="0" y="120000"/>
+                </a:lnTo>
+                <a:close/>
+              </a:path>
+            </a:pathLst>
+          </a:custGeom>
+        </p:spPr>
+      </p:sp>
+      <p:sp>
+        <p:nvSpPr>
+          <p:cNvPr id="153" name="Google Shape;153;g2a199acf7e8_0_250:notes"/>
           <p:cNvSpPr txBox="1"/>
           <p:nvPr>
             <p:ph idx="1" type="body"/>
@@ -1721,7 +1821,7 @@
       </p:grpSpPr>
       <p:sp>
         <p:nvSpPr>
-          <p:cNvPr id="102" name="Google Shape;102;g2a1a5d38c97_0_10:notes"/>
+          <p:cNvPr id="102" name="Google Shape;102;g2a1a5d38c97_0_25:notes"/>
           <p:cNvSpPr/>
           <p:nvPr>
             <p:ph idx="2" type="sldImg"/>
@@ -1756,7 +1856,7 @@
       </p:sp>
       <p:sp>
         <p:nvSpPr>
-          <p:cNvPr id="103" name="Google Shape;103;g2a1a5d38c97_0_10:notes"/>
+          <p:cNvPr id="103" name="Google Shape;103;g2a1a5d38c97_0_25:notes"/>
           <p:cNvSpPr txBox="1"/>
           <p:nvPr>
             <p:ph idx="1" type="body"/>
@@ -1806,7 +1906,7 @@
   <p:cSld>
     <p:spTree>
       <p:nvGrpSpPr>
-        <p:cNvPr id="110" name="Shape 110"/>
+        <p:cNvPr id="107" name="Shape 107"/>
         <p:cNvGrpSpPr/>
         <p:nvPr/>
       </p:nvGrpSpPr>
@@ -1820,7 +1920,7 @@
       </p:grpSpPr>
       <p:sp>
         <p:nvSpPr>
-          <p:cNvPr id="111" name="Google Shape;111;g2a199acf7e8_0_214:notes"/>
+          <p:cNvPr id="108" name="Google Shape;108;g2a1a5d38c97_0_10:notes"/>
           <p:cNvSpPr/>
           <p:nvPr>
             <p:ph idx="2" type="sldImg"/>
@@ -1855,7 +1955,7 @@
       </p:sp>
       <p:sp>
         <p:nvSpPr>
-          <p:cNvPr id="112" name="Google Shape;112;g2a199acf7e8_0_214:notes"/>
+          <p:cNvPr id="109" name="Google Shape;109;g2a1a5d38c97_0_10:notes"/>
           <p:cNvSpPr txBox="1"/>
           <p:nvPr>
             <p:ph idx="1" type="body"/>
@@ -1905,7 +2005,7 @@
   <p:cSld>
     <p:spTree>
       <p:nvGrpSpPr>
-        <p:cNvPr id="117" name="Shape 117"/>
+        <p:cNvPr id="116" name="Shape 116"/>
         <p:cNvGrpSpPr/>
         <p:nvPr/>
       </p:nvGrpSpPr>
@@ -1919,7 +2019,7 @@
       </p:grpSpPr>
       <p:sp>
         <p:nvSpPr>
-          <p:cNvPr id="118" name="Google Shape;118;g2a199acf7e8_0_219:notes"/>
+          <p:cNvPr id="117" name="Google Shape;117;g2a199acf7e8_0_214:notes"/>
           <p:cNvSpPr/>
           <p:nvPr>
             <p:ph idx="2" type="sldImg"/>
@@ -1954,7 +2054,7 @@
       </p:sp>
       <p:sp>
         <p:nvSpPr>
-          <p:cNvPr id="119" name="Google Shape;119;g2a199acf7e8_0_219:notes"/>
+          <p:cNvPr id="118" name="Google Shape;118;g2a199acf7e8_0_214:notes"/>
           <p:cNvSpPr txBox="1"/>
           <p:nvPr>
             <p:ph idx="1" type="body"/>
@@ -7417,7 +7517,7 @@
   <p:cSld>
     <p:spTree>
       <p:nvGrpSpPr>
-        <p:cNvPr id="127" name="Shape 127"/>
+        <p:cNvPr id="126" name="Shape 126"/>
         <p:cNvGrpSpPr/>
         <p:nvPr/>
       </p:nvGrpSpPr>
@@ -7431,7 +7531,7 @@
       </p:grpSpPr>
       <p:sp>
         <p:nvSpPr>
-          <p:cNvPr id="128" name="Google Shape;128;p22"/>
+          <p:cNvPr id="127" name="Google Shape;127;p22"/>
           <p:cNvSpPr txBox="1"/>
           <p:nvPr>
             <p:ph type="title"/>
@@ -7463,7 +7563,7 @@
             </a:pPr>
             <a:r>
               <a:rPr lang="en"/>
-              <a:t>Extreme Machine Learning Model</a:t>
+              <a:t>XGBoost Model</a:t>
             </a:r>
             <a:endParaRPr/>
           </a:p>
@@ -7471,7 +7571,7 @@
       </p:sp>
       <p:sp>
         <p:nvSpPr>
-          <p:cNvPr id="129" name="Google Shape;129;p22"/>
+          <p:cNvPr id="128" name="Google Shape;128;p22"/>
           <p:cNvSpPr txBox="1"/>
           <p:nvPr>
             <p:ph idx="1" type="body"/>
@@ -7488,7 +7588,7 @@
         </p:spPr>
         <p:txBody>
           <a:bodyPr anchorCtr="0" anchor="t" bIns="91425" lIns="91425" spcFirstLastPara="1" rIns="91425" wrap="square" tIns="91425">
-            <a:normAutofit/>
+            <a:normAutofit fontScale="77500" lnSpcReduction="20000"/>
           </a:bodyPr>
           <a:lstStyle/>
           <a:p>
@@ -7502,26 +7602,10 @@
               <a:buNone/>
             </a:pPr>
             <a:r>
-              <a:rPr lang="en"/>
-              <a:t>This model was one that I referenced off of a highly </a:t>
-            </a:r>
-            <a:r>
-              <a:rPr lang="en"/>
-              <a:t>acclaimed</a:t>
-            </a:r>
-            <a:r>
-              <a:rPr lang="en"/>
-              <a:t> </a:t>
-            </a:r>
-            <a:r>
-              <a:rPr lang="en"/>
-              <a:t>article</a:t>
-            </a:r>
-            <a:r>
-              <a:rPr lang="en"/>
-              <a:t> on kaggle</a:t>
-            </a:r>
-            <a:endParaRPr/>
+              <a:rPr lang="en" sz="1600"/>
+              <a:t>Is an implementation of gradient boosting decision trees</a:t>
+            </a:r>
+            <a:endParaRPr sz="1600"/>
           </a:p>
           <a:p>
             <a:pPr indent="0" lvl="0" marL="0" rtl="0" algn="l">
@@ -7534,14 +7618,10 @@
               <a:buNone/>
             </a:pPr>
             <a:r>
-              <a:rPr lang="en"/>
-              <a:t>The model unlike other feed forward neural networks does not use back </a:t>
-            </a:r>
-            <a:r>
-              <a:rPr lang="en"/>
-              <a:t>propagation, weights for hidden layers are randomly generated, and output is linear rather than sigmoidal.</a:t>
-            </a:r>
-            <a:endParaRPr/>
+              <a:rPr lang="en" sz="1600"/>
+              <a:t>Creates a series of models and combines them to make one</a:t>
+            </a:r>
+            <a:endParaRPr sz="1600"/>
           </a:p>
           <a:p>
             <a:pPr indent="0" lvl="0" marL="0" rtl="0" algn="l">
@@ -7549,18 +7629,141 @@
                 <a:spcPts val="1200"/>
               </a:spcBef>
               <a:spcAft>
+                <a:spcPts val="0"/>
+              </a:spcAft>
+              <a:buNone/>
+            </a:pPr>
+            <a:r>
+              <a:rPr lang="en" sz="1600"/>
+              <a:t>Model that is more accurate</a:t>
+            </a:r>
+            <a:endParaRPr sz="1600"/>
+          </a:p>
+          <a:p>
+            <a:pPr indent="0" lvl="0" marL="0" rtl="0" algn="l">
+              <a:spcBef>
                 <a:spcPts val="1200"/>
-              </a:spcAft>
-              <a:buNone/>
-            </a:pPr>
-            <a:r>
-              <a:rPr lang="en"/>
-              <a:t>Overall, this model was the most accurate mode that was created having a 100% accuracy.</a:t>
-            </a:r>
-            <a:endParaRPr/>
+              </a:spcBef>
+              <a:spcAft>
+                <a:spcPts val="0"/>
+              </a:spcAft>
+              <a:buNone/>
+            </a:pPr>
+            <a:r>
+              <a:t/>
+            </a:r>
+            <a:endParaRPr sz="1600"/>
+          </a:p>
+          <a:p>
+            <a:pPr indent="0" lvl="0" marL="0" rtl="0" algn="l">
+              <a:spcBef>
+                <a:spcPts val="1200"/>
+              </a:spcBef>
+              <a:spcAft>
+                <a:spcPts val="0"/>
+              </a:spcAft>
+              <a:buNone/>
+            </a:pPr>
+            <a:r>
+              <a:rPr lang="en" sz="1600"/>
+              <a:t>Was optimized through GridSearchCV</a:t>
+            </a:r>
+            <a:endParaRPr sz="1600"/>
+          </a:p>
+          <a:p>
+            <a:pPr indent="0" lvl="0" marL="0" rtl="0" algn="l">
+              <a:spcBef>
+                <a:spcPts val="1200"/>
+              </a:spcBef>
+              <a:spcAft>
+                <a:spcPts val="0"/>
+              </a:spcAft>
+              <a:buNone/>
+            </a:pPr>
+            <a:r>
+              <a:rPr lang="en" sz="1600"/>
+              <a:t>Parameters:</a:t>
+            </a:r>
+            <a:endParaRPr sz="1600"/>
+          </a:p>
+          <a:p>
+            <a:pPr indent="0" lvl="0" marL="0" rtl="0" algn="l">
+              <a:spcBef>
+                <a:spcPts val="1200"/>
+              </a:spcBef>
+              <a:spcAft>
+                <a:spcPts val="0"/>
+              </a:spcAft>
+              <a:buNone/>
+            </a:pPr>
+            <a:r>
+              <a:rPr lang="en" sz="1600"/>
+              <a:t>	Colsample_bytree = 0.5, learning_rate = 0.3,</a:t>
+            </a:r>
+            <a:endParaRPr sz="1600"/>
+          </a:p>
+          <a:p>
+            <a:pPr indent="0" lvl="0" marL="0" rtl="0" algn="l">
+              <a:spcBef>
+                <a:spcPts val="1200"/>
+              </a:spcBef>
+              <a:spcAft>
+                <a:spcPts val="0"/>
+              </a:spcAft>
+              <a:buNone/>
+            </a:pPr>
+            <a:r>
+              <a:rPr lang="en" sz="1600"/>
+              <a:t>	Max_depth = 6, min_child_weight = 1,</a:t>
+            </a:r>
+            <a:endParaRPr sz="1600"/>
+          </a:p>
+          <a:p>
+            <a:pPr indent="0" lvl="0" marL="0" rtl="0" algn="l">
+              <a:spcBef>
+                <a:spcPts val="1200"/>
+              </a:spcBef>
+              <a:spcAft>
+                <a:spcPts val="1200"/>
+              </a:spcAft>
+              <a:buNone/>
+            </a:pPr>
+            <a:r>
+              <a:rPr lang="en" sz="1600"/>
+              <a:t>	Objective = ‘binary:hinge’, seed = 1, subsamples = 0.5</a:t>
+            </a:r>
+            <a:endParaRPr sz="1600"/>
           </a:p>
         </p:txBody>
       </p:sp>
+      <p:pic>
+        <p:nvPicPr>
+          <p:cNvPr id="129" name="Google Shape;129;p22"/>
+          <p:cNvPicPr preferRelativeResize="0"/>
+          <p:nvPr/>
+        </p:nvPicPr>
+        <p:blipFill>
+          <a:blip r:embed="rId3">
+            <a:alphaModFix/>
+          </a:blip>
+          <a:stretch>
+            <a:fillRect/>
+          </a:stretch>
+        </p:blipFill>
+        <p:spPr>
+          <a:xfrm>
+            <a:off x="6326375" y="0"/>
+            <a:ext cx="2817625" cy="5143499"/>
+          </a:xfrm>
+          <a:prstGeom prst="rect">
+            <a:avLst/>
+          </a:prstGeom>
+          <a:noFill/>
+          <a:ln>
+            <a:noFill/>
+          </a:ln>
+        </p:spPr>
+      </p:pic>
     </p:spTree>
   </p:cSld>
   <p:clrMapOvr>
@@ -7620,7 +7823,7 @@
             </a:pPr>
             <a:r>
               <a:rPr lang="en"/>
-              <a:t>Neural Network</a:t>
+              <a:t>Extreme Machine Learning Model</a:t>
             </a:r>
             <a:endParaRPr/>
           </a:p>
@@ -7629,6 +7832,163 @@
       <p:sp>
         <p:nvSpPr>
           <p:cNvPr id="135" name="Google Shape;135;p23"/>
+          <p:cNvSpPr txBox="1"/>
+          <p:nvPr>
+            <p:ph idx="1" type="body"/>
+          </p:nvPr>
+        </p:nvSpPr>
+        <p:spPr>
+          <a:xfrm>
+            <a:off x="387900" y="1489824"/>
+            <a:ext cx="8368200" cy="3078900"/>
+          </a:xfrm>
+          <a:prstGeom prst="rect">
+            <a:avLst/>
+          </a:prstGeom>
+        </p:spPr>
+        <p:txBody>
+          <a:bodyPr anchorCtr="0" anchor="t" bIns="91425" lIns="91425" spcFirstLastPara="1" rIns="91425" wrap="square" tIns="91425">
+            <a:normAutofit/>
+          </a:bodyPr>
+          <a:lstStyle/>
+          <a:p>
+            <a:pPr indent="0" lvl="0" marL="0" rtl="0" algn="l">
+              <a:spcBef>
+                <a:spcPts val="0"/>
+              </a:spcBef>
+              <a:spcAft>
+                <a:spcPts val="0"/>
+              </a:spcAft>
+              <a:buNone/>
+            </a:pPr>
+            <a:r>
+              <a:rPr lang="en"/>
+              <a:t>This model was one that I referenced off of a highly </a:t>
+            </a:r>
+            <a:r>
+              <a:rPr lang="en"/>
+              <a:t>acclaimed</a:t>
+            </a:r>
+            <a:r>
+              <a:rPr lang="en"/>
+              <a:t> </a:t>
+            </a:r>
+            <a:r>
+              <a:rPr lang="en"/>
+              <a:t>article</a:t>
+            </a:r>
+            <a:r>
+              <a:rPr lang="en"/>
+              <a:t> on kaggle</a:t>
+            </a:r>
+            <a:endParaRPr/>
+          </a:p>
+          <a:p>
+            <a:pPr indent="0" lvl="0" marL="0" rtl="0" algn="l">
+              <a:spcBef>
+                <a:spcPts val="1200"/>
+              </a:spcBef>
+              <a:spcAft>
+                <a:spcPts val="0"/>
+              </a:spcAft>
+              <a:buNone/>
+            </a:pPr>
+            <a:r>
+              <a:rPr lang="en"/>
+              <a:t>The model unlike other feed forward neural networks does not use back </a:t>
+            </a:r>
+            <a:r>
+              <a:rPr lang="en"/>
+              <a:t>propagation, weights for hidden layers are randomly generated, and output is linear rather than sigmoidal.</a:t>
+            </a:r>
+            <a:endParaRPr/>
+          </a:p>
+          <a:p>
+            <a:pPr indent="0" lvl="0" marL="0" rtl="0" algn="l">
+              <a:spcBef>
+                <a:spcPts val="1200"/>
+              </a:spcBef>
+              <a:spcAft>
+                <a:spcPts val="1200"/>
+              </a:spcAft>
+              <a:buNone/>
+            </a:pPr>
+            <a:r>
+              <a:rPr lang="en"/>
+              <a:t>Overall, this model was the most accurate model that was created having a 100% accuracy.</a:t>
+            </a:r>
+            <a:endParaRPr/>
+          </a:p>
+        </p:txBody>
+      </p:sp>
+    </p:spTree>
+  </p:cSld>
+  <p:clrMapOvr>
+    <a:masterClrMapping/>
+  </p:clrMapOvr>
+</p:sld>
+</file>
+
+<file path=ppt/slides/slide12.xml><?xml version="1.0" encoding="utf-8"?>
+<p:sld xmlns:a="http://schemas.openxmlformats.org/drawingml/2006/main" xmlns:r="http://schemas.openxmlformats.org/officeDocument/2006/relationships" xmlns:mc="http://schemas.openxmlformats.org/markup-compatibility/2006" xmlns:mv="urn:schemas-microsoft-com:mac:vml" xmlns:p="http://schemas.openxmlformats.org/presentationml/2006/main" xmlns:c="http://schemas.openxmlformats.org/drawingml/2006/chart" xmlns:dgm="http://schemas.openxmlformats.org/drawingml/2006/diagram" xmlns:o="urn:schemas-microsoft-com:office:office" xmlns:v="urn:schemas-microsoft-com:vml" xmlns:pvml="urn:schemas-microsoft-com:office:powerpoint" xmlns:com="http://schemas.openxmlformats.org/drawingml/2006/compatibility" xmlns:p14="http://schemas.microsoft.com/office/powerpoint/2010/main" xmlns:p15="http://schemas.microsoft.com/office/powerpoint/2012/main" xmlns:ahyp="http://schemas.microsoft.com/office/drawing/2018/hyperlinkcolor">
+  <p:cSld>
+    <p:spTree>
+      <p:nvGrpSpPr>
+        <p:cNvPr id="139" name="Shape 139"/>
+        <p:cNvGrpSpPr/>
+        <p:nvPr/>
+      </p:nvGrpSpPr>
+      <p:grpSpPr>
+        <a:xfrm>
+          <a:off x="0" y="0"/>
+          <a:ext cx="0" cy="0"/>
+          <a:chOff x="0" y="0"/>
+          <a:chExt cx="0" cy="0"/>
+        </a:xfrm>
+      </p:grpSpPr>
+      <p:sp>
+        <p:nvSpPr>
+          <p:cNvPr id="140" name="Google Shape;140;p24"/>
+          <p:cNvSpPr txBox="1"/>
+          <p:nvPr>
+            <p:ph type="title"/>
+          </p:nvPr>
+        </p:nvSpPr>
+        <p:spPr>
+          <a:xfrm>
+            <a:off x="387900" y="458025"/>
+            <a:ext cx="8368200" cy="686100"/>
+          </a:xfrm>
+          <a:prstGeom prst="rect">
+            <a:avLst/>
+          </a:prstGeom>
+        </p:spPr>
+        <p:txBody>
+          <a:bodyPr anchorCtr="0" anchor="b" bIns="91425" lIns="91425" spcFirstLastPara="1" rIns="91425" wrap="square" tIns="91425">
+            <a:normAutofit/>
+          </a:bodyPr>
+          <a:lstStyle/>
+          <a:p>
+            <a:pPr indent="0" lvl="0" marL="0" rtl="0" algn="l">
+              <a:spcBef>
+                <a:spcPts val="0"/>
+              </a:spcBef>
+              <a:spcAft>
+                <a:spcPts val="0"/>
+              </a:spcAft>
+              <a:buNone/>
+            </a:pPr>
+            <a:r>
+              <a:rPr lang="en"/>
+              <a:t>Neural Network</a:t>
+            </a:r>
+            <a:endParaRPr/>
+          </a:p>
+        </p:txBody>
+      </p:sp>
+      <p:sp>
+        <p:nvSpPr>
+          <p:cNvPr id="141" name="Google Shape;141;p24"/>
           <p:cNvSpPr txBox="1"/>
           <p:nvPr>
             <p:ph idx="1" type="body"/>
@@ -7683,7 +8043,7 @@
       </p:sp>
       <p:pic>
         <p:nvPicPr>
-          <p:cNvPr id="136" name="Google Shape;136;p23"/>
+          <p:cNvPr id="142" name="Google Shape;142;p24"/>
           <p:cNvPicPr preferRelativeResize="0"/>
           <p:nvPr/>
         </p:nvPicPr>
@@ -7711,7 +8071,7 @@
       </p:pic>
       <p:pic>
         <p:nvPicPr>
-          <p:cNvPr id="137" name="Google Shape;137;p23"/>
+          <p:cNvPr id="143" name="Google Shape;143;p24"/>
           <p:cNvPicPr preferRelativeResize="0"/>
           <p:nvPr/>
         </p:nvPicPr>
@@ -7745,12 +8105,12 @@
 </p:sld>
 </file>
 
-<file path=ppt/slides/slide12.xml><?xml version="1.0" encoding="utf-8"?>
+<file path=ppt/slides/slide13.xml><?xml version="1.0" encoding="utf-8"?>
 <p:sld xmlns:a="http://schemas.openxmlformats.org/drawingml/2006/main" xmlns:r="http://schemas.openxmlformats.org/officeDocument/2006/relationships" xmlns:mc="http://schemas.openxmlformats.org/markup-compatibility/2006" xmlns:mv="urn:schemas-microsoft-com:mac:vml" xmlns:p="http://schemas.openxmlformats.org/presentationml/2006/main" xmlns:c="http://schemas.openxmlformats.org/drawingml/2006/chart" xmlns:dgm="http://schemas.openxmlformats.org/drawingml/2006/diagram" xmlns:o="urn:schemas-microsoft-com:office:office" xmlns:v="urn:schemas-microsoft-com:vml" xmlns:pvml="urn:schemas-microsoft-com:office:powerpoint" xmlns:com="http://schemas.openxmlformats.org/drawingml/2006/compatibility" xmlns:p14="http://schemas.microsoft.com/office/powerpoint/2010/main" xmlns:p15="http://schemas.microsoft.com/office/powerpoint/2012/main" xmlns:ahyp="http://schemas.microsoft.com/office/drawing/2018/hyperlinkcolor">
   <p:cSld>
     <p:spTree>
       <p:nvGrpSpPr>
-        <p:cNvPr id="141" name="Shape 141"/>
+        <p:cNvPr id="147" name="Shape 147"/>
         <p:cNvGrpSpPr/>
         <p:nvPr/>
       </p:nvGrpSpPr>
@@ -7764,7 +8124,7 @@
       </p:grpSpPr>
       <p:sp>
         <p:nvSpPr>
-          <p:cNvPr id="142" name="Google Shape;142;p24"/>
+          <p:cNvPr id="148" name="Google Shape;148;p25"/>
           <p:cNvSpPr txBox="1"/>
           <p:nvPr>
             <p:ph type="title"/>
@@ -7804,7 +8164,7 @@
       </p:sp>
       <p:sp>
         <p:nvSpPr>
-          <p:cNvPr id="143" name="Google Shape;143;p24"/>
+          <p:cNvPr id="149" name="Google Shape;149;p25"/>
           <p:cNvSpPr txBox="1"/>
           <p:nvPr>
             <p:ph idx="1" type="body"/>
@@ -7876,7 +8236,7 @@
       </p:sp>
       <p:pic>
         <p:nvPicPr>
-          <p:cNvPr id="144" name="Google Shape;144;p24"/>
+          <p:cNvPr id="150" name="Google Shape;150;p25"/>
           <p:cNvPicPr preferRelativeResize="0"/>
           <p:nvPr/>
         </p:nvPicPr>
@@ -7910,12 +8270,12 @@
 </p:sld>
 </file>
 
-<file path=ppt/slides/slide13.xml><?xml version="1.0" encoding="utf-8"?>
+<file path=ppt/slides/slide14.xml><?xml version="1.0" encoding="utf-8"?>
 <p:sld xmlns:a="http://schemas.openxmlformats.org/drawingml/2006/main" xmlns:r="http://schemas.openxmlformats.org/officeDocument/2006/relationships" xmlns:mc="http://schemas.openxmlformats.org/markup-compatibility/2006" xmlns:mv="urn:schemas-microsoft-com:mac:vml" xmlns:p="http://schemas.openxmlformats.org/presentationml/2006/main" xmlns:c="http://schemas.openxmlformats.org/drawingml/2006/chart" xmlns:dgm="http://schemas.openxmlformats.org/drawingml/2006/diagram" xmlns:o="urn:schemas-microsoft-com:office:office" xmlns:v="urn:schemas-microsoft-com:vml" xmlns:pvml="urn:schemas-microsoft-com:office:powerpoint" xmlns:com="http://schemas.openxmlformats.org/drawingml/2006/compatibility" xmlns:p14="http://schemas.microsoft.com/office/powerpoint/2010/main" xmlns:p15="http://schemas.microsoft.com/office/powerpoint/2012/main" xmlns:ahyp="http://schemas.microsoft.com/office/drawing/2018/hyperlinkcolor">
   <p:cSld>
     <p:spTree>
       <p:nvGrpSpPr>
-        <p:cNvPr id="148" name="Shape 148"/>
+        <p:cNvPr id="154" name="Shape 154"/>
         <p:cNvGrpSpPr/>
         <p:nvPr/>
       </p:nvGrpSpPr>
@@ -7929,7 +8289,7 @@
       </p:grpSpPr>
       <p:sp>
         <p:nvSpPr>
-          <p:cNvPr id="149" name="Google Shape;149;p25"/>
+          <p:cNvPr id="155" name="Google Shape;155;p26"/>
           <p:cNvSpPr txBox="1"/>
           <p:nvPr>
             <p:ph type="title"/>
@@ -7969,7 +8329,7 @@
       </p:sp>
       <p:sp>
         <p:nvSpPr>
-          <p:cNvPr id="150" name="Google Shape;150;p25"/>
+          <p:cNvPr id="156" name="Google Shape;156;p26"/>
           <p:cNvSpPr txBox="1"/>
           <p:nvPr>
             <p:ph idx="1" type="body"/>
@@ -7986,7 +8346,7 @@
         </p:spPr>
         <p:txBody>
           <a:bodyPr anchorCtr="0" anchor="t" bIns="91425" lIns="91425" spcFirstLastPara="1" rIns="91425" wrap="square" tIns="91425">
-            <a:normAutofit/>
+            <a:normAutofit fontScale="92500" lnSpcReduction="20000"/>
           </a:bodyPr>
           <a:lstStyle/>
           <a:p>
@@ -8058,7 +8418,7 @@
                 <a:spcPts val="1200"/>
               </a:spcBef>
               <a:spcAft>
-                <a:spcPts val="1200"/>
+                <a:spcPts val="0"/>
               </a:spcAft>
               <a:buNone/>
             </a:pPr>
@@ -8081,6 +8441,30 @@
             <a:r>
               <a:rPr lang="en"/>
               <a:t> true.</a:t>
+            </a:r>
+            <a:endParaRPr/>
+          </a:p>
+          <a:p>
+            <a:pPr indent="0" lvl="0" marL="0" rtl="0" algn="l">
+              <a:spcBef>
+                <a:spcPts val="1200"/>
+              </a:spcBef>
+              <a:spcAft>
+                <a:spcPts val="1200"/>
+              </a:spcAft>
+              <a:buNone/>
+            </a:pPr>
+            <a:r>
+              <a:rPr lang="en"/>
+              <a:t>	For instance, did not expect income, and alcohol </a:t>
+            </a:r>
+            <a:r>
+              <a:rPr lang="en"/>
+              <a:t>consumption</a:t>
+            </a:r>
+            <a:r>
+              <a:rPr lang="en"/>
+              <a:t> to be considered important.</a:t>
             </a:r>
             <a:endParaRPr/>
           </a:p>
@@ -11127,11 +11511,7 @@
             </a:pPr>
             <a:r>
               <a:rPr lang="en"/>
-              <a:t>Noteworthy</a:t>
-            </a:r>
-            <a:r>
-              <a:rPr lang="en"/>
-              <a:t> Models From Step 1</a:t>
+              <a:t>Wrapper Method</a:t>
             </a:r>
             <a:endParaRPr/>
           </a:p>
@@ -11140,6 +11520,201 @@
       <p:sp>
         <p:nvSpPr>
           <p:cNvPr id="106" name="Google Shape;106;p19"/>
+          <p:cNvSpPr txBox="1"/>
+          <p:nvPr>
+            <p:ph idx="1" type="body"/>
+          </p:nvPr>
+        </p:nvSpPr>
+        <p:spPr>
+          <a:xfrm>
+            <a:off x="387900" y="1489824"/>
+            <a:ext cx="8368200" cy="3078900"/>
+          </a:xfrm>
+          <a:prstGeom prst="rect">
+            <a:avLst/>
+          </a:prstGeom>
+        </p:spPr>
+        <p:txBody>
+          <a:bodyPr anchorCtr="0" anchor="t" bIns="91425" lIns="91425" spcFirstLastPara="1" rIns="91425" wrap="square" tIns="91425">
+            <a:normAutofit/>
+          </a:bodyPr>
+          <a:lstStyle/>
+          <a:p>
+            <a:pPr indent="0" lvl="0" marL="0" rtl="0" algn="l">
+              <a:spcBef>
+                <a:spcPts val="0"/>
+              </a:spcBef>
+              <a:spcAft>
+                <a:spcPts val="0"/>
+              </a:spcAft>
+              <a:buNone/>
+            </a:pPr>
+            <a:r>
+              <a:rPr lang="en"/>
+              <a:t>There were 4 different sequential selection models that were created.</a:t>
+            </a:r>
+            <a:endParaRPr/>
+          </a:p>
+          <a:p>
+            <a:pPr indent="0" lvl="0" marL="0" rtl="0" algn="l">
+              <a:spcBef>
+                <a:spcPts val="1200"/>
+              </a:spcBef>
+              <a:spcAft>
+                <a:spcPts val="0"/>
+              </a:spcAft>
+              <a:buNone/>
+            </a:pPr>
+            <a:r>
+              <a:t/>
+            </a:r>
+            <a:endParaRPr/>
+          </a:p>
+          <a:p>
+            <a:pPr indent="0" lvl="0" marL="0" rtl="0" algn="l">
+              <a:spcBef>
+                <a:spcPts val="1200"/>
+              </a:spcBef>
+              <a:spcAft>
+                <a:spcPts val="0"/>
+              </a:spcAft>
+              <a:buNone/>
+            </a:pPr>
+            <a:r>
+              <a:rPr lang="en"/>
+              <a:t>As two estimators were used: KNN and Random Forest Classifier.</a:t>
+            </a:r>
+            <a:endParaRPr/>
+          </a:p>
+          <a:p>
+            <a:pPr indent="0" lvl="0" marL="0" rtl="0" algn="l">
+              <a:spcBef>
+                <a:spcPts val="1200"/>
+              </a:spcBef>
+              <a:spcAft>
+                <a:spcPts val="0"/>
+              </a:spcAft>
+              <a:buNone/>
+            </a:pPr>
+            <a:r>
+              <a:rPr lang="en"/>
+              <a:t>As well as two directions: forward and backward</a:t>
+            </a:r>
+            <a:endParaRPr/>
+          </a:p>
+          <a:p>
+            <a:pPr indent="0" lvl="0" marL="0" rtl="0" algn="l">
+              <a:spcBef>
+                <a:spcPts val="1200"/>
+              </a:spcBef>
+              <a:spcAft>
+                <a:spcPts val="0"/>
+              </a:spcAft>
+              <a:buNone/>
+            </a:pPr>
+            <a:r>
+              <a:t/>
+            </a:r>
+            <a:endParaRPr/>
+          </a:p>
+          <a:p>
+            <a:pPr indent="0" lvl="0" marL="0" rtl="0" algn="l">
+              <a:spcBef>
+                <a:spcPts val="1200"/>
+              </a:spcBef>
+              <a:spcAft>
+                <a:spcPts val="1200"/>
+              </a:spcAft>
+              <a:buNone/>
+            </a:pPr>
+            <a:r>
+              <a:rPr lang="en"/>
+              <a:t>The best </a:t>
+            </a:r>
+            <a:r>
+              <a:rPr lang="en"/>
+              <a:t>selection</a:t>
+            </a:r>
+            <a:r>
+              <a:rPr lang="en"/>
+              <a:t> model was Random Forest Classifier going forward.</a:t>
+            </a:r>
+            <a:endParaRPr/>
+          </a:p>
+        </p:txBody>
+      </p:sp>
+    </p:spTree>
+  </p:cSld>
+  <p:clrMapOvr>
+    <a:masterClrMapping/>
+  </p:clrMapOvr>
+</p:sld>
+</file>
+
+<file path=ppt/slides/slide8.xml><?xml version="1.0" encoding="utf-8"?>
+<p:sld xmlns:a="http://schemas.openxmlformats.org/drawingml/2006/main" xmlns:r="http://schemas.openxmlformats.org/officeDocument/2006/relationships" xmlns:mc="http://schemas.openxmlformats.org/markup-compatibility/2006" xmlns:mv="urn:schemas-microsoft-com:mac:vml" xmlns:p="http://schemas.openxmlformats.org/presentationml/2006/main" xmlns:c="http://schemas.openxmlformats.org/drawingml/2006/chart" xmlns:dgm="http://schemas.openxmlformats.org/drawingml/2006/diagram" xmlns:o="urn:schemas-microsoft-com:office:office" xmlns:v="urn:schemas-microsoft-com:vml" xmlns:pvml="urn:schemas-microsoft-com:office:powerpoint" xmlns:com="http://schemas.openxmlformats.org/drawingml/2006/compatibility" xmlns:p14="http://schemas.microsoft.com/office/powerpoint/2010/main" xmlns:p15="http://schemas.microsoft.com/office/powerpoint/2012/main" xmlns:ahyp="http://schemas.microsoft.com/office/drawing/2018/hyperlinkcolor">
+  <p:cSld>
+    <p:spTree>
+      <p:nvGrpSpPr>
+        <p:cNvPr id="110" name="Shape 110"/>
+        <p:cNvGrpSpPr/>
+        <p:nvPr/>
+      </p:nvGrpSpPr>
+      <p:grpSpPr>
+        <a:xfrm>
+          <a:off x="0" y="0"/>
+          <a:ext cx="0" cy="0"/>
+          <a:chOff x="0" y="0"/>
+          <a:chExt cx="0" cy="0"/>
+        </a:xfrm>
+      </p:grpSpPr>
+      <p:sp>
+        <p:nvSpPr>
+          <p:cNvPr id="111" name="Google Shape;111;p20"/>
+          <p:cNvSpPr txBox="1"/>
+          <p:nvPr>
+            <p:ph type="title"/>
+          </p:nvPr>
+        </p:nvSpPr>
+        <p:spPr>
+          <a:xfrm>
+            <a:off x="387900" y="458025"/>
+            <a:ext cx="8368200" cy="686100"/>
+          </a:xfrm>
+          <a:prstGeom prst="rect">
+            <a:avLst/>
+          </a:prstGeom>
+        </p:spPr>
+        <p:txBody>
+          <a:bodyPr anchorCtr="0" anchor="b" bIns="91425" lIns="91425" spcFirstLastPara="1" rIns="91425" wrap="square" tIns="91425">
+            <a:normAutofit/>
+          </a:bodyPr>
+          <a:lstStyle/>
+          <a:p>
+            <a:pPr indent="0" lvl="0" marL="0" rtl="0" algn="l">
+              <a:spcBef>
+                <a:spcPts val="0"/>
+              </a:spcBef>
+              <a:spcAft>
+                <a:spcPts val="0"/>
+              </a:spcAft>
+              <a:buNone/>
+            </a:pPr>
+            <a:r>
+              <a:rPr lang="en"/>
+              <a:t>Noteworthy</a:t>
+            </a:r>
+            <a:r>
+              <a:rPr lang="en"/>
+              <a:t> Models From Step 1</a:t>
+            </a:r>
+            <a:endParaRPr/>
+          </a:p>
+        </p:txBody>
+      </p:sp>
+      <p:sp>
+        <p:nvSpPr>
+          <p:cNvPr id="112" name="Google Shape;112;p20"/>
           <p:cNvSpPr txBox="1"/>
           <p:nvPr/>
         </p:nvSpPr>
@@ -11261,7 +11836,7 @@
       </p:sp>
       <p:sp>
         <p:nvSpPr>
-          <p:cNvPr id="107" name="Google Shape;107;p19"/>
+          <p:cNvPr id="113" name="Google Shape;113;p20"/>
           <p:cNvSpPr txBox="1"/>
           <p:nvPr/>
         </p:nvSpPr>
@@ -11447,7 +12022,7 @@
       </p:sp>
       <p:pic>
         <p:nvPicPr>
-          <p:cNvPr id="108" name="Google Shape;108;p19"/>
+          <p:cNvPr id="114" name="Google Shape;114;p20"/>
           <p:cNvPicPr preferRelativeResize="0"/>
           <p:nvPr/>
         </p:nvPicPr>
@@ -11475,7 +12050,7 @@
       </p:pic>
       <p:pic>
         <p:nvPicPr>
-          <p:cNvPr id="109" name="Google Shape;109;p19"/>
+          <p:cNvPr id="115" name="Google Shape;115;p20"/>
           <p:cNvPicPr preferRelativeResize="0"/>
           <p:nvPr/>
         </p:nvPicPr>
@@ -11509,12 +12084,12 @@
 </p:sld>
 </file>
 
-<file path=ppt/slides/slide8.xml><?xml version="1.0" encoding="utf-8"?>
+<file path=ppt/slides/slide9.xml><?xml version="1.0" encoding="utf-8"?>
 <p:sld xmlns:a="http://schemas.openxmlformats.org/drawingml/2006/main" xmlns:r="http://schemas.openxmlformats.org/officeDocument/2006/relationships" xmlns:mc="http://schemas.openxmlformats.org/markup-compatibility/2006" xmlns:mv="urn:schemas-microsoft-com:mac:vml" xmlns:p="http://schemas.openxmlformats.org/presentationml/2006/main" xmlns:c="http://schemas.openxmlformats.org/drawingml/2006/chart" xmlns:dgm="http://schemas.openxmlformats.org/drawingml/2006/diagram" xmlns:o="urn:schemas-microsoft-com:office:office" xmlns:v="urn:schemas-microsoft-com:vml" xmlns:pvml="urn:schemas-microsoft-com:office:powerpoint" xmlns:com="http://schemas.openxmlformats.org/drawingml/2006/compatibility" xmlns:p14="http://schemas.microsoft.com/office/powerpoint/2010/main" xmlns:p15="http://schemas.microsoft.com/office/powerpoint/2012/main" xmlns:ahyp="http://schemas.microsoft.com/office/drawing/2018/hyperlinkcolor">
   <p:cSld>
     <p:spTree>
       <p:nvGrpSpPr>
-        <p:cNvPr id="113" name="Shape 113"/>
+        <p:cNvPr id="119" name="Shape 119"/>
         <p:cNvGrpSpPr/>
         <p:nvPr/>
       </p:nvGrpSpPr>
@@ -11528,7 +12103,7 @@
       </p:grpSpPr>
       <p:sp>
         <p:nvSpPr>
-          <p:cNvPr id="114" name="Google Shape;114;p20"/>
+          <p:cNvPr id="120" name="Google Shape;120;p21"/>
           <p:cNvSpPr txBox="1"/>
           <p:nvPr>
             <p:ph type="title"/>
@@ -11568,7 +12143,7 @@
       </p:sp>
       <p:sp>
         <p:nvSpPr>
-          <p:cNvPr id="115" name="Google Shape;115;p20"/>
+          <p:cNvPr id="121" name="Google Shape;121;p21"/>
           <p:cNvSpPr txBox="1"/>
           <p:nvPr>
             <p:ph idx="1" type="body"/>
@@ -11728,7 +12303,7 @@
       </p:sp>
       <p:pic>
         <p:nvPicPr>
-          <p:cNvPr id="116" name="Google Shape;116;p20"/>
+          <p:cNvPr id="122" name="Google Shape;122;p21"/>
           <p:cNvPicPr preferRelativeResize="0"/>
           <p:nvPr/>
         </p:nvPicPr>
@@ -11762,267 +12337,286 @@
 </p:sld>
 </file>
 
-<file path=ppt/slides/slide9.xml><?xml version="1.0" encoding="utf-8"?>
-<p:sld xmlns:a="http://schemas.openxmlformats.org/drawingml/2006/main" xmlns:r="http://schemas.openxmlformats.org/officeDocument/2006/relationships" xmlns:mc="http://schemas.openxmlformats.org/markup-compatibility/2006" xmlns:mv="urn:schemas-microsoft-com:mac:vml" xmlns:p="http://schemas.openxmlformats.org/presentationml/2006/main" xmlns:c="http://schemas.openxmlformats.org/drawingml/2006/chart" xmlns:dgm="http://schemas.openxmlformats.org/drawingml/2006/diagram" xmlns:o="urn:schemas-microsoft-com:office:office" xmlns:v="urn:schemas-microsoft-com:vml" xmlns:pvml="urn:schemas-microsoft-com:office:powerpoint" xmlns:com="http://schemas.openxmlformats.org/drawingml/2006/compatibility" xmlns:p14="http://schemas.microsoft.com/office/powerpoint/2010/main" xmlns:p15="http://schemas.microsoft.com/office/powerpoint/2012/main" xmlns:ahyp="http://schemas.microsoft.com/office/drawing/2018/hyperlinkcolor">
-  <p:cSld>
-    <p:spTree>
-      <p:nvGrpSpPr>
-        <p:cNvPr id="120" name="Shape 120"/>
-        <p:cNvGrpSpPr/>
-        <p:nvPr/>
-      </p:nvGrpSpPr>
-      <p:grpSpPr>
-        <a:xfrm>
-          <a:off x="0" y="0"/>
-          <a:ext cx="0" cy="0"/>
-          <a:chOff x="0" y="0"/>
-          <a:chExt cx="0" cy="0"/>
-        </a:xfrm>
-      </p:grpSpPr>
-      <p:sp>
-        <p:nvSpPr>
-          <p:cNvPr id="121" name="Google Shape;121;p21"/>
-          <p:cNvSpPr txBox="1"/>
-          <p:nvPr>
-            <p:ph type="title"/>
-          </p:nvPr>
-        </p:nvSpPr>
-        <p:spPr>
-          <a:xfrm>
-            <a:off x="387900" y="458025"/>
-            <a:ext cx="8368200" cy="686100"/>
-          </a:xfrm>
-          <a:prstGeom prst="rect">
-            <a:avLst/>
-          </a:prstGeom>
-        </p:spPr>
-        <p:txBody>
-          <a:bodyPr anchorCtr="0" anchor="b" bIns="91425" lIns="91425" spcFirstLastPara="1" rIns="91425" wrap="square" tIns="91425">
-            <a:normAutofit/>
-          </a:bodyPr>
-          <a:lstStyle/>
-          <a:p>
-            <a:pPr indent="0" lvl="0" marL="0" rtl="0" algn="l">
-              <a:spcBef>
-                <a:spcPts val="0"/>
-              </a:spcBef>
-              <a:spcAft>
-                <a:spcPts val="0"/>
-              </a:spcAft>
-              <a:buNone/>
-            </a:pPr>
-            <a:r>
-              <a:rPr lang="en"/>
-              <a:t>XGBoost Model</a:t>
-            </a:r>
-            <a:endParaRPr/>
-          </a:p>
-        </p:txBody>
-      </p:sp>
-      <p:sp>
-        <p:nvSpPr>
-          <p:cNvPr id="122" name="Google Shape;122;p21"/>
-          <p:cNvSpPr txBox="1"/>
-          <p:nvPr>
-            <p:ph idx="1" type="body"/>
-          </p:nvPr>
-        </p:nvSpPr>
-        <p:spPr>
-          <a:xfrm>
-            <a:off x="387900" y="1489824"/>
-            <a:ext cx="8368200" cy="3078900"/>
-          </a:xfrm>
-          <a:prstGeom prst="rect">
-            <a:avLst/>
-          </a:prstGeom>
-        </p:spPr>
-        <p:txBody>
-          <a:bodyPr anchorCtr="0" anchor="t" bIns="91425" lIns="91425" spcFirstLastPara="1" rIns="91425" wrap="square" tIns="91425">
-            <a:normAutofit fontScale="77500" lnSpcReduction="20000"/>
-          </a:bodyPr>
-          <a:lstStyle/>
-          <a:p>
-            <a:pPr indent="0" lvl="0" marL="0" rtl="0" algn="l">
-              <a:spcBef>
-                <a:spcPts val="0"/>
-              </a:spcBef>
-              <a:spcAft>
-                <a:spcPts val="0"/>
-              </a:spcAft>
-              <a:buNone/>
-            </a:pPr>
-            <a:r>
-              <a:rPr lang="en" sz="1600"/>
-              <a:t>Is an implementation of gradient boosting decision trees</a:t>
-            </a:r>
-            <a:endParaRPr sz="1600"/>
-          </a:p>
-          <a:p>
-            <a:pPr indent="0" lvl="0" marL="0" rtl="0" algn="l">
-              <a:spcBef>
-                <a:spcPts val="1200"/>
-              </a:spcBef>
-              <a:spcAft>
-                <a:spcPts val="0"/>
-              </a:spcAft>
-              <a:buNone/>
-            </a:pPr>
-            <a:r>
-              <a:rPr lang="en" sz="1600"/>
-              <a:t>Creates a series of models and combines them to make one</a:t>
-            </a:r>
-            <a:endParaRPr sz="1600"/>
-          </a:p>
-          <a:p>
-            <a:pPr indent="0" lvl="0" marL="0" rtl="0" algn="l">
-              <a:spcBef>
-                <a:spcPts val="1200"/>
-              </a:spcBef>
-              <a:spcAft>
-                <a:spcPts val="0"/>
-              </a:spcAft>
-              <a:buNone/>
-            </a:pPr>
-            <a:r>
-              <a:rPr lang="en" sz="1600"/>
-              <a:t>Model that is more accurate</a:t>
-            </a:r>
-            <a:endParaRPr sz="1600"/>
-          </a:p>
-          <a:p>
-            <a:pPr indent="0" lvl="0" marL="0" rtl="0" algn="l">
-              <a:spcBef>
-                <a:spcPts val="1200"/>
-              </a:spcBef>
-              <a:spcAft>
-                <a:spcPts val="0"/>
-              </a:spcAft>
-              <a:buNone/>
-            </a:pPr>
-            <a:r>
-              <a:t/>
-            </a:r>
-            <a:endParaRPr sz="1600"/>
-          </a:p>
-          <a:p>
-            <a:pPr indent="0" lvl="0" marL="0" rtl="0" algn="l">
-              <a:spcBef>
-                <a:spcPts val="1200"/>
-              </a:spcBef>
-              <a:spcAft>
-                <a:spcPts val="0"/>
-              </a:spcAft>
-              <a:buNone/>
-            </a:pPr>
-            <a:r>
-              <a:rPr lang="en" sz="1600"/>
-              <a:t>Was optimized through GridSearchCV</a:t>
-            </a:r>
-            <a:endParaRPr sz="1600"/>
-          </a:p>
-          <a:p>
-            <a:pPr indent="0" lvl="0" marL="0" rtl="0" algn="l">
-              <a:spcBef>
-                <a:spcPts val="1200"/>
-              </a:spcBef>
-              <a:spcAft>
-                <a:spcPts val="0"/>
-              </a:spcAft>
-              <a:buNone/>
-            </a:pPr>
-            <a:r>
-              <a:rPr lang="en" sz="1600"/>
-              <a:t>Parameters:</a:t>
-            </a:r>
-            <a:endParaRPr sz="1600"/>
-          </a:p>
-          <a:p>
-            <a:pPr indent="0" lvl="0" marL="0" rtl="0" algn="l">
-              <a:spcBef>
-                <a:spcPts val="1200"/>
-              </a:spcBef>
-              <a:spcAft>
-                <a:spcPts val="0"/>
-              </a:spcAft>
-              <a:buNone/>
-            </a:pPr>
-            <a:r>
-              <a:rPr lang="en" sz="1600"/>
-              <a:t>	Colsample_bytree = 0.5, learning_rate = 0.3,</a:t>
-            </a:r>
-            <a:endParaRPr sz="1600"/>
-          </a:p>
-          <a:p>
-            <a:pPr indent="0" lvl="0" marL="0" rtl="0" algn="l">
-              <a:spcBef>
-                <a:spcPts val="1200"/>
-              </a:spcBef>
-              <a:spcAft>
-                <a:spcPts val="0"/>
-              </a:spcAft>
-              <a:buNone/>
-            </a:pPr>
-            <a:r>
-              <a:rPr lang="en" sz="1600"/>
-              <a:t>	Max_depth = 6, min_child_weight = 1,</a:t>
-            </a:r>
-            <a:endParaRPr sz="1600"/>
-          </a:p>
-          <a:p>
-            <a:pPr indent="0" lvl="0" marL="0" rtl="0" algn="l">
-              <a:spcBef>
-                <a:spcPts val="1200"/>
-              </a:spcBef>
-              <a:spcAft>
-                <a:spcPts val="1200"/>
-              </a:spcAft>
-              <a:buNone/>
-            </a:pPr>
-            <a:r>
-              <a:rPr lang="en" sz="1600"/>
-              <a:t>	Objective = ‘binary:hinge’, seed = 1, subsamples = 0.5</a:t>
-            </a:r>
-            <a:endParaRPr sz="1600"/>
-          </a:p>
-        </p:txBody>
-      </p:sp>
-      <p:pic>
-        <p:nvPicPr>
-          <p:cNvPr id="123" name="Google Shape;123;p21"/>
-          <p:cNvPicPr preferRelativeResize="0"/>
-          <p:nvPr/>
-        </p:nvPicPr>
-        <p:blipFill>
-          <a:blip r:embed="rId3">
-            <a:alphaModFix/>
-          </a:blip>
-          <a:stretch>
-            <a:fillRect/>
-          </a:stretch>
-        </p:blipFill>
-        <p:spPr>
-          <a:xfrm>
-            <a:off x="6326375" y="0"/>
-            <a:ext cx="2817625" cy="5143499"/>
-          </a:xfrm>
-          <a:prstGeom prst="rect">
-            <a:avLst/>
-          </a:prstGeom>
-          <a:noFill/>
-          <a:ln>
-            <a:noFill/>
-          </a:ln>
-        </p:spPr>
-      </p:pic>
-    </p:spTree>
-  </p:cSld>
-  <p:clrMapOvr>
-    <a:masterClrMapping/>
-  </p:clrMapOvr>
-</p:sld>
+<file path=ppt/theme/theme1.xml><?xml version="1.0" encoding="utf-8"?>
+<a:theme xmlns:a="http://schemas.openxmlformats.org/drawingml/2006/main" xmlns:r="http://schemas.openxmlformats.org/officeDocument/2006/relationships" name="Marina">
+  <a:themeElements>
+    <a:clrScheme name="Marina">
+      <a:dk1>
+        <a:srgbClr val="FFFFFF"/>
+      </a:dk1>
+      <a:lt1>
+        <a:srgbClr val="00517C"/>
+      </a:lt1>
+      <a:dk2>
+        <a:srgbClr val="004065"/>
+      </a:dk2>
+      <a:lt2>
+        <a:srgbClr val="CFD8DC"/>
+      </a:lt2>
+      <a:accent1>
+        <a:srgbClr val="0277BD"/>
+      </a:accent1>
+      <a:accent2>
+        <a:srgbClr val="558B2F"/>
+      </a:accent2>
+      <a:accent3>
+        <a:srgbClr val="009688"/>
+      </a:accent3>
+      <a:accent4>
+        <a:srgbClr val="039BE5"/>
+      </a:accent4>
+      <a:accent5>
+        <a:srgbClr val="8BC34A"/>
+      </a:accent5>
+      <a:accent6>
+        <a:srgbClr val="FFEB38"/>
+      </a:accent6>
+      <a:hlink>
+        <a:srgbClr val="8BC34A"/>
+      </a:hlink>
+      <a:folHlink>
+        <a:srgbClr val="8BC34A"/>
+      </a:folHlink>
+    </a:clrScheme>
+    <a:fontScheme name="Office">
+      <a:majorFont>
+        <a:latin typeface="Arial"/>
+        <a:ea typeface=""/>
+        <a:cs typeface=""/>
+        <a:font script="Jpan" typeface="ＭＳ Ｐゴシック"/>
+        <a:font script="Hang" typeface="맑은 고딕"/>
+        <a:font script="Hans" typeface="宋体"/>
+        <a:font script="Hant" typeface="新細明體"/>
+        <a:font script="Arab" typeface="Times New Roman"/>
+        <a:font script="Hebr" typeface="Times New Roman"/>
+        <a:font script="Thai" typeface="Angsana New"/>
+        <a:font script="Ethi" typeface="Nyala"/>
+        <a:font script="Beng" typeface="Vrinda"/>
+        <a:font script="Gujr" typeface="Shruti"/>
+        <a:font script="Khmr" typeface="MoolBoran"/>
+        <a:font script="Knda" typeface="Tunga"/>
+        <a:font script="Guru" typeface="Raavi"/>
+        <a:font script="Cans" typeface="Euphemia"/>
+        <a:font script="Cher" typeface="Plantagenet Cherokee"/>
+        <a:font script="Yiii" typeface="Microsoft Yi Baiti"/>
+        <a:font script="Tibt" typeface="Microsoft Himalaya"/>
+        <a:font script="Thaa" typeface="MV Boli"/>
+        <a:font script="Deva" typeface="Mangal"/>
+        <a:font script="Telu" typeface="Gautami"/>
+        <a:font script="Taml" typeface="Latha"/>
+        <a:font script="Syrc" typeface="Estrangelo Edessa"/>
+        <a:font script="Orya" typeface="Kalinga"/>
+        <a:font script="Mlym" typeface="Kartika"/>
+        <a:font script="Laoo" typeface="DokChampa"/>
+        <a:font script="Sinh" typeface="Iskoola Pota"/>
+        <a:font script="Mong" typeface="Mongolian Baiti"/>
+        <a:font script="Viet" typeface="Times New Roman"/>
+        <a:font script="Uigh" typeface="Microsoft Uighur"/>
+        <a:font script="Geor" typeface="Sylfaen"/>
+      </a:majorFont>
+      <a:minorFont>
+        <a:latin typeface="Arial"/>
+        <a:ea typeface=""/>
+        <a:cs typeface=""/>
+        <a:font script="Jpan" typeface="ＭＳ Ｐゴシック"/>
+        <a:font script="Hang" typeface="맑은 고딕"/>
+        <a:font script="Hans" typeface="宋体"/>
+        <a:font script="Hant" typeface="新細明體"/>
+        <a:font script="Arab" typeface="Arial"/>
+        <a:font script="Hebr" typeface="Arial"/>
+        <a:font script="Thai" typeface="Cordia New"/>
+        <a:font script="Ethi" typeface="Nyala"/>
+        <a:font script="Beng" typeface="Vrinda"/>
+        <a:font script="Gujr" typeface="Shruti"/>
+        <a:font script="Khmr" typeface="DaunPenh"/>
+        <a:font script="Knda" typeface="Tunga"/>
+        <a:font script="Guru" typeface="Raavi"/>
+        <a:font script="Cans" typeface="Euphemia"/>
+        <a:font script="Cher" typeface="Plantagenet Cherokee"/>
+        <a:font script="Yiii" typeface="Microsoft Yi Baiti"/>
+        <a:font script="Tibt" typeface="Microsoft Himalaya"/>
+        <a:font script="Thaa" typeface="MV Boli"/>
+        <a:font script="Deva" typeface="Mangal"/>
+        <a:font script="Telu" typeface="Gautami"/>
+        <a:font script="Taml" typeface="Latha"/>
+        <a:font script="Syrc" typeface="Estrangelo Edessa"/>
+        <a:font script="Orya" typeface="Kalinga"/>
+        <a:font script="Mlym" typeface="Kartika"/>
+        <a:font script="Laoo" typeface="DokChampa"/>
+        <a:font script="Sinh" typeface="Iskoola Pota"/>
+        <a:font script="Mong" typeface="Mongolian Baiti"/>
+        <a:font script="Viet" typeface="Arial"/>
+        <a:font script="Uigh" typeface="Microsoft Uighur"/>
+        <a:font script="Geor" typeface="Sylfaen"/>
+      </a:minorFont>
+    </a:fontScheme>
+    <a:fmtScheme name="Office">
+      <a:fillStyleLst>
+        <a:solidFill>
+          <a:schemeClr val="phClr"/>
+        </a:solidFill>
+        <a:gradFill rotWithShape="1">
+          <a:gsLst>
+            <a:gs pos="0">
+              <a:schemeClr val="phClr">
+                <a:tint val="50000"/>
+                <a:satMod val="300000"/>
+              </a:schemeClr>
+            </a:gs>
+            <a:gs pos="35000">
+              <a:schemeClr val="phClr">
+                <a:tint val="37000"/>
+                <a:satMod val="300000"/>
+              </a:schemeClr>
+            </a:gs>
+            <a:gs pos="100000">
+              <a:schemeClr val="phClr">
+                <a:tint val="15000"/>
+                <a:satMod val="350000"/>
+              </a:schemeClr>
+            </a:gs>
+          </a:gsLst>
+          <a:lin ang="16200000" scaled="1"/>
+        </a:gradFill>
+        <a:gradFill rotWithShape="1">
+          <a:gsLst>
+            <a:gs pos="0">
+              <a:schemeClr val="phClr">
+                <a:tint val="100000"/>
+                <a:shade val="100000"/>
+                <a:satMod val="130000"/>
+              </a:schemeClr>
+            </a:gs>
+            <a:gs pos="100000">
+              <a:schemeClr val="phClr">
+                <a:tint val="50000"/>
+                <a:shade val="100000"/>
+                <a:satMod val="350000"/>
+              </a:schemeClr>
+            </a:gs>
+          </a:gsLst>
+          <a:lin ang="16200000" scaled="0"/>
+        </a:gradFill>
+      </a:fillStyleLst>
+      <a:lnStyleLst>
+        <a:ln w="9525" cap="flat" cmpd="sng" algn="ctr">
+          <a:solidFill>
+            <a:schemeClr val="phClr">
+              <a:shade val="95000"/>
+              <a:satMod val="105000"/>
+            </a:schemeClr>
+          </a:solidFill>
+          <a:prstDash val="solid"/>
+        </a:ln>
+        <a:ln w="25400" cap="flat" cmpd="sng" algn="ctr">
+          <a:solidFill>
+            <a:schemeClr val="phClr"/>
+          </a:solidFill>
+          <a:prstDash val="solid"/>
+        </a:ln>
+        <a:ln w="38100" cap="flat" cmpd="sng" algn="ctr">
+          <a:solidFill>
+            <a:schemeClr val="phClr"/>
+          </a:solidFill>
+          <a:prstDash val="solid"/>
+        </a:ln>
+      </a:lnStyleLst>
+      <a:effectStyleLst>
+        <a:effectStyle>
+          <a:effectLst>
+            <a:outerShdw blurRad="40000" dist="20000" dir="5400000" rotWithShape="0">
+              <a:srgbClr val="000000">
+                <a:alpha val="38000"/>
+              </a:srgbClr>
+            </a:outerShdw>
+          </a:effectLst>
+        </a:effectStyle>
+        <a:effectStyle>
+          <a:effectLst>
+            <a:outerShdw blurRad="40000" dist="23000" dir="5400000" rotWithShape="0">
+              <a:srgbClr val="000000">
+                <a:alpha val="35000"/>
+              </a:srgbClr>
+            </a:outerShdw>
+          </a:effectLst>
+        </a:effectStyle>
+        <a:effectStyle>
+          <a:effectLst>
+            <a:outerShdw blurRad="40000" dist="23000" dir="5400000" rotWithShape="0">
+              <a:srgbClr val="000000">
+                <a:alpha val="35000"/>
+              </a:srgbClr>
+            </a:outerShdw>
+          </a:effectLst>
+          <a:scene3d>
+            <a:camera prst="orthographicFront">
+              <a:rot lat="0" lon="0" rev="0"/>
+            </a:camera>
+            <a:lightRig rig="threePt" dir="t">
+              <a:rot lat="0" lon="0" rev="1200000"/>
+            </a:lightRig>
+          </a:scene3d>
+          <a:sp3d>
+            <a:bevelT w="63500" h="25400"/>
+          </a:sp3d>
+        </a:effectStyle>
+      </a:effectStyleLst>
+      <a:bgFillStyleLst>
+        <a:solidFill>
+          <a:schemeClr val="phClr"/>
+        </a:solidFill>
+        <a:gradFill rotWithShape="1">
+          <a:gsLst>
+            <a:gs pos="0">
+              <a:schemeClr val="phClr">
+                <a:tint val="40000"/>
+                <a:satMod val="350000"/>
+              </a:schemeClr>
+            </a:gs>
+            <a:gs pos="40000">
+              <a:schemeClr val="phClr">
+                <a:tint val="45000"/>
+                <a:shade val="99000"/>
+                <a:satMod val="350000"/>
+              </a:schemeClr>
+            </a:gs>
+            <a:gs pos="100000">
+              <a:schemeClr val="phClr">
+                <a:shade val="20000"/>
+                <a:satMod val="255000"/>
+              </a:schemeClr>
+            </a:gs>
+          </a:gsLst>
+          <a:path path="circle">
+            <a:fillToRect l="50000" t="-80000" r="50000" b="180000"/>
+          </a:path>
+        </a:gradFill>
+        <a:gradFill rotWithShape="1">
+          <a:gsLst>
+            <a:gs pos="0">
+              <a:schemeClr val="phClr">
+                <a:tint val="80000"/>
+                <a:satMod val="300000"/>
+              </a:schemeClr>
+            </a:gs>
+            <a:gs pos="100000">
+              <a:schemeClr val="phClr">
+                <a:shade val="30000"/>
+                <a:satMod val="200000"/>
+              </a:schemeClr>
+            </a:gs>
+          </a:gsLst>
+          <a:path path="circle">
+            <a:fillToRect l="50000" t="50000" r="50000" b="50000"/>
+          </a:path>
+        </a:gradFill>
+      </a:bgFillStyleLst>
+    </a:fmtScheme>
+  </a:themeElements>
+</a:theme>
 </file>
 
-<file path=ppt/theme/theme1.xml><?xml version="1.0" encoding="utf-8"?>
+<file path=ppt/theme/theme2.xml><?xml version="1.0" encoding="utf-8"?>
 <a:theme xmlns:a="http://schemas.openxmlformats.org/drawingml/2006/main" xmlns:r="http://schemas.openxmlformats.org/officeDocument/2006/relationships">
   <a:themeElements>
     <a:clrScheme name="Default">
@@ -12299,283 +12893,4 @@
     </a:fmtScheme>
   </a:themeElements>
 </a:theme>
-</file>
-
-<file path=ppt/theme/theme2.xml><?xml version="1.0" encoding="utf-8"?>
-<a:theme xmlns:a="http://schemas.openxmlformats.org/drawingml/2006/main" xmlns:r="http://schemas.openxmlformats.org/officeDocument/2006/relationships" name="Marina">
-  <a:themeElements>
-    <a:clrScheme name="Marina">
-      <a:dk1>
-        <a:srgbClr val="FFFFFF"/>
-      </a:dk1>
-      <a:lt1>
-        <a:srgbClr val="00517C"/>
-      </a:lt1>
-      <a:dk2>
-        <a:srgbClr val="004065"/>
-      </a:dk2>
-      <a:lt2>
-        <a:srgbClr val="CFD8DC"/>
-      </a:lt2>
-      <a:accent1>
-        <a:srgbClr val="0277BD"/>
-      </a:accent1>
-      <a:accent2>
-        <a:srgbClr val="558B2F"/>
-      </a:accent2>
-      <a:accent3>
-        <a:srgbClr val="009688"/>
-      </a:accent3>
-      <a:accent4>
-        <a:srgbClr val="039BE5"/>
-      </a:accent4>
-      <a:accent5>
-        <a:srgbClr val="8BC34A"/>
-      </a:accent5>
-      <a:accent6>
-        <a:srgbClr val="FFEB38"/>
-      </a:accent6>
-      <a:hlink>
-        <a:srgbClr val="8BC34A"/>
-      </a:hlink>
-      <a:folHlink>
-        <a:srgbClr val="8BC34A"/>
-      </a:folHlink>
-    </a:clrScheme>
-    <a:fontScheme name="Office">
-      <a:majorFont>
-        <a:latin typeface="Arial"/>
-        <a:ea typeface=""/>
-        <a:cs typeface=""/>
-        <a:font script="Jpan" typeface="ＭＳ Ｐゴシック"/>
-        <a:font script="Hang" typeface="맑은 고딕"/>
-        <a:font script="Hans" typeface="宋体"/>
-        <a:font script="Hant" typeface="新細明體"/>
-        <a:font script="Arab" typeface="Times New Roman"/>
-        <a:font script="Hebr" typeface="Times New Roman"/>
-        <a:font script="Thai" typeface="Angsana New"/>
-        <a:font script="Ethi" typeface="Nyala"/>
-        <a:font script="Beng" typeface="Vrinda"/>
-        <a:font script="Gujr" typeface="Shruti"/>
-        <a:font script="Khmr" typeface="MoolBoran"/>
-        <a:font script="Knda" typeface="Tunga"/>
-        <a:font script="Guru" typeface="Raavi"/>
-        <a:font script="Cans" typeface="Euphemia"/>
-        <a:font script="Cher" typeface="Plantagenet Cherokee"/>
-        <a:font script="Yiii" typeface="Microsoft Yi Baiti"/>
-        <a:font script="Tibt" typeface="Microsoft Himalaya"/>
-        <a:font script="Thaa" typeface="MV Boli"/>
-        <a:font script="Deva" typeface="Mangal"/>
-        <a:font script="Telu" typeface="Gautami"/>
-        <a:font script="Taml" typeface="Latha"/>
-        <a:font script="Syrc" typeface="Estrangelo Edessa"/>
-        <a:font script="Orya" typeface="Kalinga"/>
-        <a:font script="Mlym" typeface="Kartika"/>
-        <a:font script="Laoo" typeface="DokChampa"/>
-        <a:font script="Sinh" typeface="Iskoola Pota"/>
-        <a:font script="Mong" typeface="Mongolian Baiti"/>
-        <a:font script="Viet" typeface="Times New Roman"/>
-        <a:font script="Uigh" typeface="Microsoft Uighur"/>
-        <a:font script="Geor" typeface="Sylfaen"/>
-      </a:majorFont>
-      <a:minorFont>
-        <a:latin typeface="Arial"/>
-        <a:ea typeface=""/>
-        <a:cs typeface=""/>
-        <a:font script="Jpan" typeface="ＭＳ Ｐゴシック"/>
-        <a:font script="Hang" typeface="맑은 고딕"/>
-        <a:font script="Hans" typeface="宋体"/>
-        <a:font script="Hant" typeface="新細明體"/>
-        <a:font script="Arab" typeface="Arial"/>
-        <a:font script="Hebr" typeface="Arial"/>
-        <a:font script="Thai" typeface="Cordia New"/>
-        <a:font script="Ethi" typeface="Nyala"/>
-        <a:font script="Beng" typeface="Vrinda"/>
-        <a:font script="Gujr" typeface="Shruti"/>
-        <a:font script="Khmr" typeface="DaunPenh"/>
-        <a:font script="Knda" typeface="Tunga"/>
-        <a:font script="Guru" typeface="Raavi"/>
-        <a:font script="Cans" typeface="Euphemia"/>
-        <a:font script="Cher" typeface="Plantagenet Cherokee"/>
-        <a:font script="Yiii" typeface="Microsoft Yi Baiti"/>
-        <a:font script="Tibt" typeface="Microsoft Himalaya"/>
-        <a:font script="Thaa" typeface="MV Boli"/>
-        <a:font script="Deva" typeface="Mangal"/>
-        <a:font script="Telu" typeface="Gautami"/>
-        <a:font script="Taml" typeface="Latha"/>
-        <a:font script="Syrc" typeface="Estrangelo Edessa"/>
-        <a:font script="Orya" typeface="Kalinga"/>
-        <a:font script="Mlym" typeface="Kartika"/>
-        <a:font script="Laoo" typeface="DokChampa"/>
-        <a:font script="Sinh" typeface="Iskoola Pota"/>
-        <a:font script="Mong" typeface="Mongolian Baiti"/>
-        <a:font script="Viet" typeface="Arial"/>
-        <a:font script="Uigh" typeface="Microsoft Uighur"/>
-        <a:font script="Geor" typeface="Sylfaen"/>
-      </a:minorFont>
-    </a:fontScheme>
-    <a:fmtScheme name="Office">
-      <a:fillStyleLst>
-        <a:solidFill>
-          <a:schemeClr val="phClr"/>
-        </a:solidFill>
-        <a:gradFill rotWithShape="1">
-          <a:gsLst>
-            <a:gs pos="0">
-              <a:schemeClr val="phClr">
-                <a:tint val="50000"/>
-                <a:satMod val="300000"/>
-              </a:schemeClr>
-            </a:gs>
-            <a:gs pos="35000">
-              <a:schemeClr val="phClr">
-                <a:tint val="37000"/>
-                <a:satMod val="300000"/>
-              </a:schemeClr>
-            </a:gs>
-            <a:gs pos="100000">
-              <a:schemeClr val="phClr">
-                <a:tint val="15000"/>
-                <a:satMod val="350000"/>
-              </a:schemeClr>
-            </a:gs>
-          </a:gsLst>
-          <a:lin ang="16200000" scaled="1"/>
-        </a:gradFill>
-        <a:gradFill rotWithShape="1">
-          <a:gsLst>
-            <a:gs pos="0">
-              <a:schemeClr val="phClr">
-                <a:tint val="100000"/>
-                <a:shade val="100000"/>
-                <a:satMod val="130000"/>
-              </a:schemeClr>
-            </a:gs>
-            <a:gs pos="100000">
-              <a:schemeClr val="phClr">
-                <a:tint val="50000"/>
-                <a:shade val="100000"/>
-                <a:satMod val="350000"/>
-              </a:schemeClr>
-            </a:gs>
-          </a:gsLst>
-          <a:lin ang="16200000" scaled="0"/>
-        </a:gradFill>
-      </a:fillStyleLst>
-      <a:lnStyleLst>
-        <a:ln w="9525" cap="flat" cmpd="sng" algn="ctr">
-          <a:solidFill>
-            <a:schemeClr val="phClr">
-              <a:shade val="95000"/>
-              <a:satMod val="105000"/>
-            </a:schemeClr>
-          </a:solidFill>
-          <a:prstDash val="solid"/>
-        </a:ln>
-        <a:ln w="25400" cap="flat" cmpd="sng" algn="ctr">
-          <a:solidFill>
-            <a:schemeClr val="phClr"/>
-          </a:solidFill>
-          <a:prstDash val="solid"/>
-        </a:ln>
-        <a:ln w="38100" cap="flat" cmpd="sng" algn="ctr">
-          <a:solidFill>
-            <a:schemeClr val="phClr"/>
-          </a:solidFill>
-          <a:prstDash val="solid"/>
-        </a:ln>
-      </a:lnStyleLst>
-      <a:effectStyleLst>
-        <a:effectStyle>
-          <a:effectLst>
-            <a:outerShdw blurRad="40000" dist="20000" dir="5400000" rotWithShape="0">
-              <a:srgbClr val="000000">
-                <a:alpha val="38000"/>
-              </a:srgbClr>
-            </a:outerShdw>
-          </a:effectLst>
-        </a:effectStyle>
-        <a:effectStyle>
-          <a:effectLst>
-            <a:outerShdw blurRad="40000" dist="23000" dir="5400000" rotWithShape="0">
-              <a:srgbClr val="000000">
-                <a:alpha val="35000"/>
-              </a:srgbClr>
-            </a:outerShdw>
-          </a:effectLst>
-        </a:effectStyle>
-        <a:effectStyle>
-          <a:effectLst>
-            <a:outerShdw blurRad="40000" dist="23000" dir="5400000" rotWithShape="0">
-              <a:srgbClr val="000000">
-                <a:alpha val="35000"/>
-              </a:srgbClr>
-            </a:outerShdw>
-          </a:effectLst>
-          <a:scene3d>
-            <a:camera prst="orthographicFront">
-              <a:rot lat="0" lon="0" rev="0"/>
-            </a:camera>
-            <a:lightRig rig="threePt" dir="t">
-              <a:rot lat="0" lon="0" rev="1200000"/>
-            </a:lightRig>
-          </a:scene3d>
-          <a:sp3d>
-            <a:bevelT w="63500" h="25400"/>
-          </a:sp3d>
-        </a:effectStyle>
-      </a:effectStyleLst>
-      <a:bgFillStyleLst>
-        <a:solidFill>
-          <a:schemeClr val="phClr"/>
-        </a:solidFill>
-        <a:gradFill rotWithShape="1">
-          <a:gsLst>
-            <a:gs pos="0">
-              <a:schemeClr val="phClr">
-                <a:tint val="40000"/>
-                <a:satMod val="350000"/>
-              </a:schemeClr>
-            </a:gs>
-            <a:gs pos="40000">
-              <a:schemeClr val="phClr">
-                <a:tint val="45000"/>
-                <a:shade val="99000"/>
-                <a:satMod val="350000"/>
-              </a:schemeClr>
-            </a:gs>
-            <a:gs pos="100000">
-              <a:schemeClr val="phClr">
-                <a:shade val="20000"/>
-                <a:satMod val="255000"/>
-              </a:schemeClr>
-            </a:gs>
-          </a:gsLst>
-          <a:path path="circle">
-            <a:fillToRect l="50000" t="-80000" r="50000" b="180000"/>
-          </a:path>
-        </a:gradFill>
-        <a:gradFill rotWithShape="1">
-          <a:gsLst>
-            <a:gs pos="0">
-              <a:schemeClr val="phClr">
-                <a:tint val="80000"/>
-                <a:satMod val="300000"/>
-              </a:schemeClr>
-            </a:gs>
-            <a:gs pos="100000">
-              <a:schemeClr val="phClr">
-                <a:shade val="30000"/>
-                <a:satMod val="200000"/>
-              </a:schemeClr>
-            </a:gs>
-          </a:gsLst>
-          <a:path path="circle">
-            <a:fillToRect l="50000" t="50000" r="50000" b="50000"/>
-          </a:path>
-        </a:gradFill>
-      </a:bgFillStyleLst>
-    </a:fmtScheme>
-  </a:themeElements>
-</a:theme>
 </file>